--- a/Apresentação - Sprint 2.pptx
+++ b/Apresentação - Sprint 2.pptx
@@ -13990,7 +13990,7 @@
             </a:pPr>
             <a:r>
               <a:rPr lang="pt-BR" sz="2000" dirty="0"/>
-              <a:t>Consultar disponibilidade</a:t>
+              <a:t>Consultar disponibilidade (por nome ou código)</a:t>
             </a:r>
           </a:p>
           <a:p>
@@ -14003,7 +14003,20 @@
             </a:pPr>
             <a:r>
               <a:rPr lang="pt-BR" sz="2000" dirty="0"/>
-              <a:t>Encomendar produto</a:t>
+              <a:t>Alterar um produto</a:t>
+            </a:r>
+          </a:p>
+          <a:p>
+            <a:pPr lvl="2">
+              <a:lnSpc>
+                <a:spcPct val="150000"/>
+              </a:lnSpc>
+              <a:buFont typeface="Arial" panose="020B0604020202020204" pitchFamily="34" charset="0"/>
+              <a:buChar char="•"/>
+            </a:pPr>
+            <a:r>
+              <a:rPr lang="pt-BR" sz="2000" dirty="0"/>
+              <a:t>Excluir produto</a:t>
             </a:r>
           </a:p>
           <a:p>
